--- a/lec05/5_Conditions.pptx
+++ b/lec05/5_Conditions.pptx
@@ -5,7 +5,7 @@
     <p:sldMasterId id="2147483795" r:id="rId1"/>
   </p:sldMasterIdLst>
   <p:notesMasterIdLst>
-    <p:notesMasterId r:id="rId7"/>
+    <p:notesMasterId r:id="rId8"/>
   </p:notesMasterIdLst>
   <p:sldIdLst>
     <p:sldId id="261" r:id="rId2"/>
@@ -13,6 +13,7 @@
     <p:sldId id="259" r:id="rId4"/>
     <p:sldId id="262" r:id="rId5"/>
     <p:sldId id="260" r:id="rId6"/>
+    <p:sldId id="263" r:id="rId7"/>
   </p:sldIdLst>
   <p:sldSz cx="12192000" cy="6858000"/>
   <p:notesSz cx="6858000" cy="9144000"/>
@@ -209,7 +210,7 @@
           <a:p>
             <a:fld id="{04FFE712-A26B-0143-8ED7-35E624D38358}" type="datetimeFigureOut">
               <a:rPr lang="en-US" smtClean="0"/>
-              <a:t>7/2/20</a:t>
+              <a:t>7/3/20</a:t>
             </a:fld>
             <a:endParaRPr lang="en-US"/>
           </a:p>
@@ -571,7 +572,7 @@
           <a:effectLst/>
           <a:extLst>
             <a:ext uri="{91240B29-F687-4f45-9708-019B960494DF}">
-              <a14:hiddenLine xmlns="" xmlns:a14="http://schemas.microsoft.com/office/drawing/2010/main" w="9525">
+              <a14:hiddenLine xmlns:a14="http://schemas.microsoft.com/office/drawing/2010/main" xmlns="" w="9525">
                 <a:solidFill>
                   <a:srgbClr val="000000"/>
                 </a:solidFill>
@@ -763,7 +764,7 @@
           <a:p>
             <a:fld id="{BCCC848F-6185-D24C-8AC6-1AEBBA8AB9E9}" type="datetimeFigureOut">
               <a:rPr lang="en-US" smtClean="0"/>
-              <a:t>7/2/20</a:t>
+              <a:t>7/3/20</a:t>
             </a:fld>
             <a:endParaRPr lang="en-US"/>
           </a:p>
@@ -1081,7 +1082,7 @@
           <a:p>
             <a:fld id="{BCCC848F-6185-D24C-8AC6-1AEBBA8AB9E9}" type="datetimeFigureOut">
               <a:rPr lang="en-US" smtClean="0"/>
-              <a:t>7/2/20</a:t>
+              <a:t>7/3/20</a:t>
             </a:fld>
             <a:endParaRPr lang="en-US"/>
           </a:p>
@@ -1569,7 +1570,7 @@
           <a:p>
             <a:fld id="{BCCC848F-6185-D24C-8AC6-1AEBBA8AB9E9}" type="datetimeFigureOut">
               <a:rPr lang="en-US" smtClean="0"/>
-              <a:t>7/2/20</a:t>
+              <a:t>7/3/20</a:t>
             </a:fld>
             <a:endParaRPr lang="en-US"/>
           </a:p>
@@ -1938,7 +1939,7 @@
           <a:p>
             <a:fld id="{BCCC848F-6185-D24C-8AC6-1AEBBA8AB9E9}" type="datetimeFigureOut">
               <a:rPr lang="en-US" smtClean="0"/>
-              <a:t>7/2/20</a:t>
+              <a:t>7/3/20</a:t>
             </a:fld>
             <a:endParaRPr lang="en-US"/>
           </a:p>
@@ -2093,7 +2094,7 @@
           <a:ln/>
           <a:extLst>
             <a:ext uri="{91240B29-F687-4f45-9708-019B960494DF}">
-              <a14:hiddenLine xmlns="" xmlns:a14="http://schemas.microsoft.com/office/drawing/2010/main" w="9525">
+              <a14:hiddenLine xmlns:a14="http://schemas.microsoft.com/office/drawing/2010/main" xmlns="" w="9525">
                 <a:solidFill>
                   <a:srgbClr val="000000"/>
                 </a:solidFill>
@@ -2211,7 +2212,7 @@
           <a:p>
             <a:fld id="{BCCC848F-6185-D24C-8AC6-1AEBBA8AB9E9}" type="datetimeFigureOut">
               <a:rPr lang="en-US" smtClean="0"/>
-              <a:t>7/2/20</a:t>
+              <a:t>7/3/20</a:t>
             </a:fld>
             <a:endParaRPr lang="en-US"/>
           </a:p>
@@ -2368,7 +2369,7 @@
           <a:ln/>
           <a:extLst>
             <a:ext uri="{91240B29-F687-4f45-9708-019B960494DF}">
-              <a14:hiddenLine xmlns="" xmlns:a14="http://schemas.microsoft.com/office/drawing/2010/main" w="9525">
+              <a14:hiddenLine xmlns:a14="http://schemas.microsoft.com/office/drawing/2010/main" xmlns="" w="9525">
                 <a:solidFill>
                   <a:srgbClr val="000000"/>
                 </a:solidFill>
@@ -2496,7 +2497,7 @@
           <a:p>
             <a:fld id="{BCCC848F-6185-D24C-8AC6-1AEBBA8AB9E9}" type="datetimeFigureOut">
               <a:rPr lang="en-US" smtClean="0"/>
-              <a:t>7/2/20</a:t>
+              <a:t>7/3/20</a:t>
             </a:fld>
             <a:endParaRPr lang="en-US"/>
           </a:p>
@@ -2651,7 +2652,7 @@
           <a:ln/>
           <a:extLst>
             <a:ext uri="{91240B29-F687-4f45-9708-019B960494DF}">
-              <a14:hiddenLine xmlns="" xmlns:a14="http://schemas.microsoft.com/office/drawing/2010/main" w="9525">
+              <a14:hiddenLine xmlns:a14="http://schemas.microsoft.com/office/drawing/2010/main" xmlns="" w="9525">
                 <a:solidFill>
                   <a:srgbClr val="000000"/>
                 </a:solidFill>
@@ -2779,7 +2780,7 @@
           <a:p>
             <a:fld id="{BCCC848F-6185-D24C-8AC6-1AEBBA8AB9E9}" type="datetimeFigureOut">
               <a:rPr lang="en-US" smtClean="0"/>
-              <a:t>7/2/20</a:t>
+              <a:t>7/3/20</a:t>
             </a:fld>
             <a:endParaRPr lang="en-US"/>
           </a:p>
@@ -3122,7 +3123,7 @@
           <a:p>
             <a:fld id="{BCCC848F-6185-D24C-8AC6-1AEBBA8AB9E9}" type="datetimeFigureOut">
               <a:rPr lang="en-US" smtClean="0"/>
-              <a:t>7/2/20</a:t>
+              <a:t>7/3/20</a:t>
             </a:fld>
             <a:endParaRPr lang="en-US"/>
           </a:p>
@@ -3277,7 +3278,7 @@
           <a:ln/>
           <a:extLst>
             <a:ext uri="{91240B29-F687-4f45-9708-019B960494DF}">
-              <a14:hiddenLine xmlns="" xmlns:a14="http://schemas.microsoft.com/office/drawing/2010/main" w="9525">
+              <a14:hiddenLine xmlns:a14="http://schemas.microsoft.com/office/drawing/2010/main" xmlns="" w="9525">
                 <a:solidFill>
                   <a:srgbClr val="000000"/>
                 </a:solidFill>
@@ -3461,7 +3462,7 @@
           <a:p>
             <a:fld id="{BCCC848F-6185-D24C-8AC6-1AEBBA8AB9E9}" type="datetimeFigureOut">
               <a:rPr lang="en-US" smtClean="0"/>
-              <a:t>7/2/20</a:t>
+              <a:t>7/3/20</a:t>
             </a:fld>
             <a:endParaRPr lang="en-US"/>
           </a:p>
@@ -3616,7 +3617,7 @@
           <a:ln/>
           <a:extLst>
             <a:ext uri="{91240B29-F687-4f45-9708-019B960494DF}">
-              <a14:hiddenLine xmlns="" xmlns:a14="http://schemas.microsoft.com/office/drawing/2010/main" w="9525">
+              <a14:hiddenLine xmlns:a14="http://schemas.microsoft.com/office/drawing/2010/main" xmlns="" w="9525">
                 <a:solidFill>
                   <a:srgbClr val="000000"/>
                 </a:solidFill>
@@ -3938,7 +3939,7 @@
           <a:p>
             <a:fld id="{BCCC848F-6185-D24C-8AC6-1AEBBA8AB9E9}" type="datetimeFigureOut">
               <a:rPr lang="en-US" smtClean="0"/>
-              <a:t>7/2/20</a:t>
+              <a:t>7/3/20</a:t>
             </a:fld>
             <a:endParaRPr lang="en-US"/>
           </a:p>
@@ -4093,7 +4094,7 @@
           <a:ln/>
           <a:extLst>
             <a:ext uri="{91240B29-F687-4f45-9708-019B960494DF}">
-              <a14:hiddenLine xmlns="" xmlns:a14="http://schemas.microsoft.com/office/drawing/2010/main" w="9525">
+              <a14:hiddenLine xmlns:a14="http://schemas.microsoft.com/office/drawing/2010/main" xmlns="" w="9525">
                 <a:solidFill>
                   <a:srgbClr val="000000"/>
                 </a:solidFill>
@@ -4159,7 +4160,7 @@
           <a:p>
             <a:fld id="{BCCC848F-6185-D24C-8AC6-1AEBBA8AB9E9}" type="datetimeFigureOut">
               <a:rPr lang="en-US" smtClean="0"/>
-              <a:t>7/2/20</a:t>
+              <a:t>7/3/20</a:t>
             </a:fld>
             <a:endParaRPr lang="en-US"/>
           </a:p>
@@ -4254,7 +4255,7 @@
           <a:p>
             <a:fld id="{BCCC848F-6185-D24C-8AC6-1AEBBA8AB9E9}" type="datetimeFigureOut">
               <a:rPr lang="en-US" smtClean="0"/>
-              <a:t>7/2/20</a:t>
+              <a:t>7/3/20</a:t>
             </a:fld>
             <a:endParaRPr lang="en-US"/>
           </a:p>
@@ -4522,7 +4523,7 @@
           <a:ln/>
           <a:extLst>
             <a:ext uri="{91240B29-F687-4f45-9708-019B960494DF}">
-              <a14:hiddenLine xmlns="" xmlns:a14="http://schemas.microsoft.com/office/drawing/2010/main" w="9525">
+              <a14:hiddenLine xmlns:a14="http://schemas.microsoft.com/office/drawing/2010/main" xmlns="" w="9525">
                 <a:solidFill>
                   <a:srgbClr val="000000"/>
                 </a:solidFill>
@@ -4721,7 +4722,7 @@
           <a:p>
             <a:fld id="{BCCC848F-6185-D24C-8AC6-1AEBBA8AB9E9}" type="datetimeFigureOut">
               <a:rPr lang="en-US" smtClean="0"/>
-              <a:t>7/2/20</a:t>
+              <a:t>7/3/20</a:t>
             </a:fld>
             <a:endParaRPr lang="en-US"/>
           </a:p>
@@ -5034,7 +5035,7 @@
           <a:p>
             <a:fld id="{BCCC848F-6185-D24C-8AC6-1AEBBA8AB9E9}" type="datetimeFigureOut">
               <a:rPr lang="en-US" smtClean="0"/>
-              <a:t>7/2/20</a:t>
+              <a:t>7/3/20</a:t>
             </a:fld>
             <a:endParaRPr lang="en-US"/>
           </a:p>
@@ -5304,7 +5305,7 @@
           <a:p>
             <a:fld id="{BCCC848F-6185-D24C-8AC6-1AEBBA8AB9E9}" type="datetimeFigureOut">
               <a:rPr lang="en-US" smtClean="0"/>
-              <a:t>7/2/20</a:t>
+              <a:t>7/3/20</a:t>
             </a:fld>
             <a:endParaRPr lang="en-US"/>
           </a:p>
@@ -5763,7 +5764,7 @@
           <p:cNvPr id="2" name="Title 1">
             <a:extLst>
               <a:ext uri="{FF2B5EF4-FFF2-40B4-BE49-F238E27FC236}">
-                <a16:creationId xmlns="" xmlns:a16="http://schemas.microsoft.com/office/drawing/2014/main" id="{253967F2-5A0B-C248-8CB9-CD7AEEE78A10}"/>
+                <a16:creationId xmlns:a16="http://schemas.microsoft.com/office/drawing/2014/main" xmlns="" id="{253967F2-5A0B-C248-8CB9-CD7AEEE78A10}"/>
               </a:ext>
             </a:extLst>
           </p:cNvPr>
@@ -6929,10 +6930,10 @@
           <p:cNvPr id="8" name="Rectangle 7">
             <a:extLst>
               <a:ext uri="{FF2B5EF4-FFF2-40B4-BE49-F238E27FC236}">
-                <a16:creationId xmlns:a16="http://schemas.microsoft.com/office/drawing/2014/main" xmlns="" id="{597EA66B-2AAB-42B0-9F9D-38920D8D82D7}"/>
+                <a16:creationId xmlns="" xmlns:a16="http://schemas.microsoft.com/office/drawing/2014/main" id="{597EA66B-2AAB-42B0-9F9D-38920D8D82D7}"/>
               </a:ext>
               <a:ext uri="{C183D7F6-B498-43B3-948B-1728B52AA6E4}">
-                <adec:decorative xmlns:adec="http://schemas.microsoft.com/office/drawing/2017/decorative" xmlns="" val="1"/>
+                <adec:decorative xmlns="" xmlns:adec="http://schemas.microsoft.com/office/drawing/2017/decorative" val="1"/>
               </a:ext>
             </a:extLst>
           </p:cNvPr>
@@ -6985,7 +6986,7 @@
           <p:cNvPr id="2" name="Title 1">
             <a:extLst>
               <a:ext uri="{FF2B5EF4-FFF2-40B4-BE49-F238E27FC236}">
-                <a16:creationId xmlns:a16="http://schemas.microsoft.com/office/drawing/2014/main" xmlns="" id="{FD7674F6-73A9-0648-A682-1E6E87D11949}"/>
+                <a16:creationId xmlns="" xmlns:a16="http://schemas.microsoft.com/office/drawing/2014/main" id="{FD7674F6-73A9-0648-A682-1E6E87D11949}"/>
               </a:ext>
             </a:extLst>
           </p:cNvPr>
@@ -7061,10 +7062,10 @@
           <p:cNvPr id="10" name="Freeform: Shape 9">
             <a:extLst>
               <a:ext uri="{FF2B5EF4-FFF2-40B4-BE49-F238E27FC236}">
-                <a16:creationId xmlns:a16="http://schemas.microsoft.com/office/drawing/2014/main" xmlns="" id="{D360EBE3-31BB-422F-AA87-FA3873DAE484}"/>
+                <a16:creationId xmlns="" xmlns:a16="http://schemas.microsoft.com/office/drawing/2014/main" id="{D360EBE3-31BB-422F-AA87-FA3873DAE484}"/>
               </a:ext>
               <a:ext uri="{C183D7F6-B498-43B3-948B-1728B52AA6E4}">
-                <adec:decorative xmlns:adec="http://schemas.microsoft.com/office/drawing/2017/decorative" xmlns="" val="1"/>
+                <adec:decorative xmlns="" xmlns:adec="http://schemas.microsoft.com/office/drawing/2017/decorative" val="1"/>
               </a:ext>
             </a:extLst>
           </p:cNvPr>
@@ -7252,7 +7253,7 @@
           <a:effectLst/>
           <a:extLst>
             <a:ext uri="{91240B29-F687-4f45-9708-019B960494DF}">
-              <a14:hiddenLine xmlns:a14="http://schemas.microsoft.com/office/drawing/2010/main" xmlns:p14="http://schemas.microsoft.com/office/powerpoint/2010/main" xmlns:a16="http://schemas.microsoft.com/office/drawing/2014/main" xmlns="" w="9525">
+              <a14:hiddenLine xmlns="" xmlns:a16="http://schemas.microsoft.com/office/drawing/2014/main" xmlns:p14="http://schemas.microsoft.com/office/powerpoint/2010/main" xmlns:a14="http://schemas.microsoft.com/office/drawing/2010/main" w="9525">
                 <a:solidFill>
                   <a:srgbClr val="000000"/>
                 </a:solidFill>
@@ -7337,7 +7338,7 @@
           <p:cNvPr id="2" name="Title 1">
             <a:extLst>
               <a:ext uri="{FF2B5EF4-FFF2-40B4-BE49-F238E27FC236}">
-                <a16:creationId xmlns:a16="http://schemas.microsoft.com/office/drawing/2014/main" xmlns="" id="{253967F2-5A0B-C248-8CB9-CD7AEEE78A10}"/>
+                <a16:creationId xmlns="" xmlns:a16="http://schemas.microsoft.com/office/drawing/2014/main" id="{253967F2-5A0B-C248-8CB9-CD7AEEE78A10}"/>
               </a:ext>
             </a:extLst>
           </p:cNvPr>
@@ -7365,7 +7366,7 @@
           <p:cNvPr id="15" name="Rectangle 14">
             <a:extLst>
               <a:ext uri="{FF2B5EF4-FFF2-40B4-BE49-F238E27FC236}">
-                <a16:creationId xmlns:a16="http://schemas.microsoft.com/office/drawing/2014/main" xmlns="" id="{28C7E791-01DA-AD4C-A2B9-6F2CD6B60FCA}"/>
+                <a16:creationId xmlns="" xmlns:a16="http://schemas.microsoft.com/office/drawing/2014/main" id="{28C7E791-01DA-AD4C-A2B9-6F2CD6B60FCA}"/>
               </a:ext>
             </a:extLst>
           </p:cNvPr>
@@ -8161,7 +8162,7 @@
           <p:cNvPr id="2" name="Title 1">
             <a:extLst>
               <a:ext uri="{FF2B5EF4-FFF2-40B4-BE49-F238E27FC236}">
-                <a16:creationId xmlns:a16="http://schemas.microsoft.com/office/drawing/2014/main" xmlns="" id="{253967F2-5A0B-C248-8CB9-CD7AEEE78A10}"/>
+                <a16:creationId xmlns="" xmlns:a16="http://schemas.microsoft.com/office/drawing/2014/main" id="{253967F2-5A0B-C248-8CB9-CD7AEEE78A10}"/>
               </a:ext>
             </a:extLst>
           </p:cNvPr>
@@ -8189,7 +8190,7 @@
           <p:cNvPr id="15" name="Rectangle 14">
             <a:extLst>
               <a:ext uri="{FF2B5EF4-FFF2-40B4-BE49-F238E27FC236}">
-                <a16:creationId xmlns:a16="http://schemas.microsoft.com/office/drawing/2014/main" xmlns="" id="{28C7E791-01DA-AD4C-A2B9-6F2CD6B60FCA}"/>
+                <a16:creationId xmlns="" xmlns:a16="http://schemas.microsoft.com/office/drawing/2014/main" id="{28C7E791-01DA-AD4C-A2B9-6F2CD6B60FCA}"/>
               </a:ext>
             </a:extLst>
           </p:cNvPr>
@@ -8806,7 +8807,7 @@
           <p:cNvPr id="2" name="Title 1">
             <a:extLst>
               <a:ext uri="{FF2B5EF4-FFF2-40B4-BE49-F238E27FC236}">
-                <a16:creationId xmlns:a16="http://schemas.microsoft.com/office/drawing/2014/main" xmlns="" id="{253967F2-5A0B-C248-8CB9-CD7AEEE78A10}"/>
+                <a16:creationId xmlns="" xmlns:a16="http://schemas.microsoft.com/office/drawing/2014/main" id="{253967F2-5A0B-C248-8CB9-CD7AEEE78A10}"/>
               </a:ext>
             </a:extLst>
           </p:cNvPr>
@@ -8834,7 +8835,7 @@
           <p:cNvPr id="3" name="Content Placeholder 2">
             <a:extLst>
               <a:ext uri="{FF2B5EF4-FFF2-40B4-BE49-F238E27FC236}">
-                <a16:creationId xmlns:a16="http://schemas.microsoft.com/office/drawing/2014/main" xmlns="" id="{AAC43A36-3820-8644-A359-5868F70E4EB9}"/>
+                <a16:creationId xmlns="" xmlns:a16="http://schemas.microsoft.com/office/drawing/2014/main" id="{AAC43A36-3820-8644-A359-5868F70E4EB9}"/>
               </a:ext>
             </a:extLst>
           </p:cNvPr>
@@ -8919,7 +8920,7 @@
           <p:cNvPr id="4" name="Rectangle 3">
             <a:extLst>
               <a:ext uri="{FF2B5EF4-FFF2-40B4-BE49-F238E27FC236}">
-                <a16:creationId xmlns:a16="http://schemas.microsoft.com/office/drawing/2014/main" xmlns="" id="{4A2B081C-08A3-3A4E-A963-9E16DEA7F114}"/>
+                <a16:creationId xmlns="" xmlns:a16="http://schemas.microsoft.com/office/drawing/2014/main" id="{4A2B081C-08A3-3A4E-A963-9E16DEA7F114}"/>
               </a:ext>
             </a:extLst>
           </p:cNvPr>
@@ -9155,7 +9156,7 @@
           <p:cNvPr id="16" name="Rectangle 15">
             <a:extLst>
               <a:ext uri="{FF2B5EF4-FFF2-40B4-BE49-F238E27FC236}">
-                <a16:creationId xmlns:a16="http://schemas.microsoft.com/office/drawing/2014/main" xmlns="" id="{58D9B0AA-77A7-8847-BBE1-6F5BFC374CBD}"/>
+                <a16:creationId xmlns="" xmlns:a16="http://schemas.microsoft.com/office/drawing/2014/main" id="{58D9B0AA-77A7-8847-BBE1-6F5BFC374CBD}"/>
               </a:ext>
             </a:extLst>
           </p:cNvPr>
@@ -9218,7 +9219,7 @@
           <p:cNvPr id="6" name="Straight Arrow Connector 5">
             <a:extLst>
               <a:ext uri="{FF2B5EF4-FFF2-40B4-BE49-F238E27FC236}">
-                <a16:creationId xmlns:a16="http://schemas.microsoft.com/office/drawing/2014/main" xmlns="" id="{E42235D7-4BA9-8244-AC04-EC16462F539D}"/>
+                <a16:creationId xmlns="" xmlns:a16="http://schemas.microsoft.com/office/drawing/2014/main" id="{E42235D7-4BA9-8244-AC04-EC16462F539D}"/>
               </a:ext>
             </a:extLst>
           </p:cNvPr>
@@ -9260,7 +9261,7 @@
           <p:cNvPr id="17" name="Straight Arrow Connector 16">
             <a:extLst>
               <a:ext uri="{FF2B5EF4-FFF2-40B4-BE49-F238E27FC236}">
-                <a16:creationId xmlns:a16="http://schemas.microsoft.com/office/drawing/2014/main" xmlns="" id="{FC2AA12E-5430-9547-8664-0EB5EBA736FF}"/>
+                <a16:creationId xmlns="" xmlns:a16="http://schemas.microsoft.com/office/drawing/2014/main" id="{FC2AA12E-5430-9547-8664-0EB5EBA736FF}"/>
               </a:ext>
             </a:extLst>
           </p:cNvPr>
@@ -9303,6 +9304,371 @@
     <p:extLst>
       <p:ext uri="{BB962C8B-B14F-4D97-AF65-F5344CB8AC3E}">
         <p14:creationId xmlns:p14="http://schemas.microsoft.com/office/powerpoint/2010/main" val="1675711204"/>
+      </p:ext>
+    </p:extLst>
+  </p:cSld>
+  <p:clrMapOvr>
+    <a:masterClrMapping/>
+  </p:clrMapOvr>
+</p:sld>
+</file>
+
+<file path=ppt/slides/slide6.xml><?xml version="1.0" encoding="utf-8"?>
+<p:sld xmlns:a="http://schemas.openxmlformats.org/drawingml/2006/main" xmlns:r="http://schemas.openxmlformats.org/officeDocument/2006/relationships" xmlns:p="http://schemas.openxmlformats.org/presentationml/2006/main">
+  <p:cSld>
+    <p:spTree>
+      <p:nvGrpSpPr>
+        <p:cNvPr id="1" name=""/>
+        <p:cNvGrpSpPr/>
+        <p:nvPr/>
+      </p:nvGrpSpPr>
+      <p:grpSpPr>
+        <a:xfrm>
+          <a:off x="0" y="0"/>
+          <a:ext cx="0" cy="0"/>
+          <a:chOff x="0" y="0"/>
+          <a:chExt cx="0" cy="0"/>
+        </a:xfrm>
+      </p:grpSpPr>
+      <p:sp>
+        <p:nvSpPr>
+          <p:cNvPr id="2" name="Title 1">
+            <a:extLst>
+              <a:ext uri="{FF2B5EF4-FFF2-40B4-BE49-F238E27FC236}">
+                <a16:creationId xmlns="" xmlns:a16="http://schemas.microsoft.com/office/drawing/2014/main" id="{253967F2-5A0B-C248-8CB9-CD7AEEE78A10}"/>
+              </a:ext>
+            </a:extLst>
+          </p:cNvPr>
+          <p:cNvSpPr>
+            <a:spLocks noGrp="1"/>
+          </p:cNvSpPr>
+          <p:nvPr>
+            <p:ph type="title"/>
+          </p:nvPr>
+        </p:nvSpPr>
+        <p:spPr>
+          <a:xfrm>
+            <a:off x="517325" y="163033"/>
+            <a:ext cx="10571998" cy="970450"/>
+          </a:xfrm>
+        </p:spPr>
+        <p:txBody>
+          <a:bodyPr/>
+          <a:lstStyle/>
+          <a:p>
+            <a:r>
+              <a:rPr lang="en-US" dirty="0" smtClean="0"/>
+              <a:t>What we will learn in the coming week?</a:t>
+            </a:r>
+            <a:endParaRPr lang="en-US" dirty="0"/>
+          </a:p>
+        </p:txBody>
+      </p:sp>
+      <p:pic>
+        <p:nvPicPr>
+          <p:cNvPr id="8" name="Picture 7"/>
+          <p:cNvPicPr>
+            <a:picLocks noChangeAspect="1"/>
+          </p:cNvPicPr>
+          <p:nvPr/>
+        </p:nvPicPr>
+        <p:blipFill>
+          <a:blip r:embed="rId2"/>
+          <a:stretch>
+            <a:fillRect/>
+          </a:stretch>
+        </p:blipFill>
+        <p:spPr>
+          <a:xfrm>
+            <a:off x="204951" y="4461642"/>
+            <a:ext cx="3750750" cy="2109797"/>
+          </a:xfrm>
+          <a:prstGeom prst="rect">
+            <a:avLst/>
+          </a:prstGeom>
+        </p:spPr>
+      </p:pic>
+      <p:pic>
+        <p:nvPicPr>
+          <p:cNvPr id="10" name="Picture 9"/>
+          <p:cNvPicPr>
+            <a:picLocks noChangeAspect="1"/>
+          </p:cNvPicPr>
+          <p:nvPr/>
+        </p:nvPicPr>
+        <p:blipFill>
+          <a:blip r:embed="rId3"/>
+          <a:stretch>
+            <a:fillRect/>
+          </a:stretch>
+        </p:blipFill>
+        <p:spPr>
+          <a:xfrm>
+            <a:off x="0" y="1891016"/>
+            <a:ext cx="8087711" cy="2428444"/>
+          </a:xfrm>
+          <a:prstGeom prst="rect">
+            <a:avLst/>
+          </a:prstGeom>
+        </p:spPr>
+      </p:pic>
+      <p:pic>
+        <p:nvPicPr>
+          <p:cNvPr id="11" name="Picture 10"/>
+          <p:cNvPicPr>
+            <a:picLocks noChangeAspect="1"/>
+          </p:cNvPicPr>
+          <p:nvPr/>
+        </p:nvPicPr>
+        <p:blipFill>
+          <a:blip r:embed="rId4">
+            <a:extLst>
+              <a:ext uri="{28A0092B-C50C-407E-A947-70E740481C1C}">
+                <a14:useLocalDpi xmlns:a14="http://schemas.microsoft.com/office/drawing/2010/main" val="0"/>
+              </a:ext>
+            </a:extLst>
+          </a:blip>
+          <a:stretch>
+            <a:fillRect/>
+          </a:stretch>
+        </p:blipFill>
+        <p:spPr>
+          <a:xfrm>
+            <a:off x="7153602" y="4319461"/>
+            <a:ext cx="1706043" cy="2251977"/>
+          </a:xfrm>
+          <a:prstGeom prst="rect">
+            <a:avLst/>
+          </a:prstGeom>
+        </p:spPr>
+      </p:pic>
+      <p:pic>
+        <p:nvPicPr>
+          <p:cNvPr id="12" name="Picture 11"/>
+          <p:cNvPicPr>
+            <a:picLocks noChangeAspect="1"/>
+          </p:cNvPicPr>
+          <p:nvPr/>
+        </p:nvPicPr>
+        <p:blipFill>
+          <a:blip r:embed="rId5">
+            <a:extLst>
+              <a:ext uri="{28A0092B-C50C-407E-A947-70E740481C1C}">
+                <a14:useLocalDpi xmlns:a14="http://schemas.microsoft.com/office/drawing/2010/main" val="0"/>
+              </a:ext>
+            </a:extLst>
+          </a:blip>
+          <a:stretch>
+            <a:fillRect/>
+          </a:stretch>
+        </p:blipFill>
+        <p:spPr>
+          <a:xfrm>
+            <a:off x="5037082" y="4380720"/>
+            <a:ext cx="1659635" cy="2190718"/>
+          </a:xfrm>
+          <a:prstGeom prst="rect">
+            <a:avLst/>
+          </a:prstGeom>
+        </p:spPr>
+      </p:pic>
+      <p:pic>
+        <p:nvPicPr>
+          <p:cNvPr id="13" name="Picture 12"/>
+          <p:cNvPicPr>
+            <a:picLocks noChangeAspect="1"/>
+          </p:cNvPicPr>
+          <p:nvPr/>
+        </p:nvPicPr>
+        <p:blipFill>
+          <a:blip r:embed="rId6">
+            <a:extLst>
+              <a:ext uri="{28A0092B-C50C-407E-A947-70E740481C1C}">
+                <a14:useLocalDpi xmlns:a14="http://schemas.microsoft.com/office/drawing/2010/main" val="0"/>
+              </a:ext>
+            </a:extLst>
+          </a:blip>
+          <a:stretch>
+            <a:fillRect/>
+          </a:stretch>
+        </p:blipFill>
+        <p:spPr>
+          <a:xfrm>
+            <a:off x="9383280" y="4319460"/>
+            <a:ext cx="1706043" cy="2251977"/>
+          </a:xfrm>
+          <a:prstGeom prst="rect">
+            <a:avLst/>
+          </a:prstGeom>
+        </p:spPr>
+      </p:pic>
+      <p:pic>
+        <p:nvPicPr>
+          <p:cNvPr id="14" name="Picture 13"/>
+          <p:cNvPicPr>
+            <a:picLocks noChangeAspect="1"/>
+          </p:cNvPicPr>
+          <p:nvPr/>
+        </p:nvPicPr>
+        <p:blipFill>
+          <a:blip r:embed="rId7"/>
+          <a:stretch>
+            <a:fillRect/>
+          </a:stretch>
+        </p:blipFill>
+        <p:spPr>
+          <a:xfrm>
+            <a:off x="8213835" y="1846782"/>
+            <a:ext cx="3626068" cy="2472678"/>
+          </a:xfrm>
+          <a:prstGeom prst="rect">
+            <a:avLst/>
+          </a:prstGeom>
+        </p:spPr>
+      </p:pic>
+      <p:sp>
+        <p:nvSpPr>
+          <p:cNvPr id="18" name="Title 1">
+            <a:extLst>
+              <a:ext uri="{FF2B5EF4-FFF2-40B4-BE49-F238E27FC236}">
+                <a16:creationId xmlns="" xmlns:a16="http://schemas.microsoft.com/office/drawing/2014/main" id="{253967F2-5A0B-C248-8CB9-CD7AEEE78A10}"/>
+              </a:ext>
+            </a:extLst>
+          </p:cNvPr>
+          <p:cNvSpPr txBox="1">
+            <a:spLocks/>
+          </p:cNvSpPr>
+          <p:nvPr/>
+        </p:nvSpPr>
+        <p:spPr>
+          <a:xfrm>
+            <a:off x="580900" y="858404"/>
+            <a:ext cx="9367141" cy="970450"/>
+          </a:xfrm>
+          <a:prstGeom prst="rect">
+            <a:avLst/>
+          </a:prstGeom>
+          <a:effectLst>
+            <a:outerShdw blurRad="50800" dir="14400000">
+              <a:srgbClr val="000000">
+                <a:alpha val="60000"/>
+              </a:srgbClr>
+            </a:outerShdw>
+          </a:effectLst>
+        </p:spPr>
+        <p:txBody>
+          <a:bodyPr vert="horz" lIns="91440" tIns="45720" rIns="91440" bIns="45720" rtlCol="0" anchor="b">
+            <a:noAutofit/>
+          </a:bodyPr>
+          <a:lstStyle>
+            <a:lvl1pPr algn="l" defTabSz="457200" rtl="0" eaLnBrk="1" latinLnBrk="0" hangingPunct="1">
+              <a:spcBef>
+                <a:spcPct val="0"/>
+              </a:spcBef>
+              <a:buNone/>
+              <a:defRPr sz="4000" b="1" kern="1200">
+                <a:solidFill>
+                  <a:srgbClr val="FEFEFE"/>
+                </a:solidFill>
+                <a:latin typeface="+mj-lt"/>
+                <a:ea typeface="+mj-ea"/>
+                <a:cs typeface="+mj-cs"/>
+              </a:defRPr>
+            </a:lvl1pPr>
+            <a:lvl2pPr eaLnBrk="1" hangingPunct="1">
+              <a:defRPr>
+                <a:solidFill>
+                  <a:schemeClr val="tx2"/>
+                </a:solidFill>
+              </a:defRPr>
+            </a:lvl2pPr>
+            <a:lvl3pPr eaLnBrk="1" hangingPunct="1">
+              <a:defRPr>
+                <a:solidFill>
+                  <a:schemeClr val="tx2"/>
+                </a:solidFill>
+              </a:defRPr>
+            </a:lvl3pPr>
+            <a:lvl4pPr eaLnBrk="1" hangingPunct="1">
+              <a:defRPr>
+                <a:solidFill>
+                  <a:schemeClr val="tx2"/>
+                </a:solidFill>
+              </a:defRPr>
+            </a:lvl4pPr>
+            <a:lvl5pPr eaLnBrk="1" hangingPunct="1">
+              <a:defRPr>
+                <a:solidFill>
+                  <a:schemeClr val="tx2"/>
+                </a:solidFill>
+              </a:defRPr>
+            </a:lvl5pPr>
+            <a:lvl6pPr eaLnBrk="1" hangingPunct="1">
+              <a:defRPr>
+                <a:solidFill>
+                  <a:schemeClr val="tx2"/>
+                </a:solidFill>
+              </a:defRPr>
+            </a:lvl6pPr>
+            <a:lvl7pPr eaLnBrk="1" hangingPunct="1">
+              <a:defRPr>
+                <a:solidFill>
+                  <a:schemeClr val="tx2"/>
+                </a:solidFill>
+              </a:defRPr>
+            </a:lvl7pPr>
+            <a:lvl8pPr eaLnBrk="1" hangingPunct="1">
+              <a:defRPr>
+                <a:solidFill>
+                  <a:schemeClr val="tx2"/>
+                </a:solidFill>
+              </a:defRPr>
+            </a:lvl8pPr>
+            <a:lvl9pPr eaLnBrk="1" hangingPunct="1">
+              <a:defRPr>
+                <a:solidFill>
+                  <a:schemeClr val="tx2"/>
+                </a:solidFill>
+              </a:defRPr>
+            </a:lvl9pPr>
+          </a:lstStyle>
+          <a:p>
+            <a:r>
+              <a:rPr lang="en-US" dirty="0" smtClean="0">
+                <a:solidFill>
+                  <a:srgbClr val="FF0000"/>
+                </a:solidFill>
+              </a:rPr>
+              <a:t>Don</a:t>
+            </a:r>
+            <a:r>
+              <a:rPr lang="mr-IN" dirty="0" smtClean="0">
+                <a:solidFill>
+                  <a:srgbClr val="FF0000"/>
+                </a:solidFill>
+              </a:rPr>
+              <a:t>’</a:t>
+            </a:r>
+            <a:r>
+              <a:rPr lang="en-US" dirty="0" smtClean="0">
+                <a:solidFill>
+                  <a:srgbClr val="FF0000"/>
+                </a:solidFill>
+              </a:rPr>
+              <a:t>t forget to register the course!</a:t>
+            </a:r>
+            <a:endParaRPr lang="en-US" dirty="0">
+              <a:solidFill>
+                <a:srgbClr val="FF0000"/>
+              </a:solidFill>
+            </a:endParaRPr>
+          </a:p>
+        </p:txBody>
+      </p:sp>
+    </p:spTree>
+    <p:extLst>
+      <p:ext uri="{BB962C8B-B14F-4D97-AF65-F5344CB8AC3E}">
+        <p14:creationId xmlns:p14="http://schemas.microsoft.com/office/powerpoint/2010/main" val="741066753"/>
       </p:ext>
     </p:extLst>
   </p:cSld>
